--- a/MYNTRA ANALYSIS.pptx
+++ b/MYNTRA ANALYSIS.pptx
@@ -211,7 +211,8 @@
           <a:p>
             <a:fld id="{B91295A5-94E2-4BD2-9346-1B872114C40F}" type="datetimeFigureOut">
               <a:rPr lang="en-US" smtClean="0"/>
-              <a:t>9/26/2024</a:t>
+              <a:pPr/>
+              <a:t>10/3/2024</a:t>
             </a:fld>
             <a:endParaRPr lang="en-US"/>
           </a:p>
@@ -372,6 +373,7 @@
           <a:p>
             <a:fld id="{25061320-4552-466F-AD85-62EC6B3C66D2}" type="slidenum">
               <a:rPr lang="en-US" smtClean="0"/>
+              <a:pPr/>
               <a:t>‹#›</a:t>
             </a:fld>
             <a:endParaRPr lang="en-US"/>
@@ -645,7 +647,7 @@
             <a:fld id="{A4B3E447-2A96-4337-9108-FF17298A64E0}" type="datetimeFigureOut">
               <a:rPr lang="en-US" smtClean="0"/>
               <a:pPr/>
-              <a:t>9/26/2024</a:t>
+              <a:t>10/3/2024</a:t>
             </a:fld>
             <a:endParaRPr lang="en-US"/>
           </a:p>
@@ -812,7 +814,7 @@
             <a:fld id="{A4B3E447-2A96-4337-9108-FF17298A64E0}" type="datetimeFigureOut">
               <a:rPr lang="en-US" smtClean="0"/>
               <a:pPr/>
-              <a:t>9/26/2024</a:t>
+              <a:t>10/3/2024</a:t>
             </a:fld>
             <a:endParaRPr lang="en-US"/>
           </a:p>
@@ -989,7 +991,7 @@
             <a:fld id="{A4B3E447-2A96-4337-9108-FF17298A64E0}" type="datetimeFigureOut">
               <a:rPr lang="en-US" smtClean="0"/>
               <a:pPr/>
-              <a:t>9/26/2024</a:t>
+              <a:t>10/3/2024</a:t>
             </a:fld>
             <a:endParaRPr lang="en-US"/>
           </a:p>
@@ -1156,7 +1158,7 @@
             <a:fld id="{A4B3E447-2A96-4337-9108-FF17298A64E0}" type="datetimeFigureOut">
               <a:rPr lang="en-US" smtClean="0"/>
               <a:pPr/>
-              <a:t>9/26/2024</a:t>
+              <a:t>10/3/2024</a:t>
             </a:fld>
             <a:endParaRPr lang="en-US"/>
           </a:p>
@@ -1395,7 +1397,7 @@
             <a:fld id="{A4B3E447-2A96-4337-9108-FF17298A64E0}" type="datetimeFigureOut">
               <a:rPr lang="en-US" smtClean="0"/>
               <a:pPr/>
-              <a:t>9/26/2024</a:t>
+              <a:t>10/3/2024</a:t>
             </a:fld>
             <a:endParaRPr lang="en-US"/>
           </a:p>
@@ -1661,7 +1663,7 @@
             <a:fld id="{A4B3E447-2A96-4337-9108-FF17298A64E0}" type="datetimeFigureOut">
               <a:rPr lang="en-US" smtClean="0"/>
               <a:pPr/>
-              <a:t>9/26/2024</a:t>
+              <a:t>10/3/2024</a:t>
             </a:fld>
             <a:endParaRPr lang="en-US"/>
           </a:p>
@@ -2041,7 +2043,7 @@
             <a:fld id="{A4B3E447-2A96-4337-9108-FF17298A64E0}" type="datetimeFigureOut">
               <a:rPr lang="en-US" smtClean="0"/>
               <a:pPr/>
-              <a:t>9/26/2024</a:t>
+              <a:t>10/3/2024</a:t>
             </a:fld>
             <a:endParaRPr lang="en-US"/>
           </a:p>
@@ -2193,7 +2195,7 @@
             <a:fld id="{A4B3E447-2A96-4337-9108-FF17298A64E0}" type="datetimeFigureOut">
               <a:rPr lang="en-US" smtClean="0"/>
               <a:pPr/>
-              <a:t>9/26/2024</a:t>
+              <a:t>10/3/2024</a:t>
             </a:fld>
             <a:endParaRPr lang="en-US"/>
           </a:p>
@@ -2285,7 +2287,7 @@
             <a:fld id="{A4B3E447-2A96-4337-9108-FF17298A64E0}" type="datetimeFigureOut">
               <a:rPr lang="en-US" smtClean="0"/>
               <a:pPr/>
-              <a:t>9/26/2024</a:t>
+              <a:t>10/3/2024</a:t>
             </a:fld>
             <a:endParaRPr lang="en-US"/>
           </a:p>
@@ -2548,7 +2550,7 @@
             <a:fld id="{A4B3E447-2A96-4337-9108-FF17298A64E0}" type="datetimeFigureOut">
               <a:rPr lang="en-US" smtClean="0"/>
               <a:pPr/>
-              <a:t>9/26/2024</a:t>
+              <a:t>10/3/2024</a:t>
             </a:fld>
             <a:endParaRPr lang="en-US"/>
           </a:p>
@@ -2838,7 +2840,7 @@
             <a:fld id="{A4B3E447-2A96-4337-9108-FF17298A64E0}" type="datetimeFigureOut">
               <a:rPr lang="en-US" smtClean="0"/>
               <a:pPr/>
-              <a:t>9/26/2024</a:t>
+              <a:t>10/3/2024</a:t>
             </a:fld>
             <a:endParaRPr lang="en-US"/>
           </a:p>
@@ -3611,7 +3613,7 @@
             <a:fld id="{A4B3E447-2A96-4337-9108-FF17298A64E0}" type="datetimeFigureOut">
               <a:rPr lang="en-US" smtClean="0"/>
               <a:pPr/>
-              <a:t>9/26/2024</a:t>
+              <a:t>10/3/2024</a:t>
             </a:fld>
             <a:endParaRPr lang="en-US"/>
           </a:p>
@@ -4636,8 +4638,8 @@
               <a:t>                      </a:t>
             </a:r>
             <a:r>
-              <a:rPr lang="en-IN" b="1" dirty="0" err="1" smtClean="0"/>
-              <a:t>weekness</a:t>
+              <a:rPr lang="en-IN" b="1" dirty="0" smtClean="0"/>
+              <a:t>WEEKNESS</a:t>
             </a:r>
             <a:endParaRPr lang="en-US" b="1" dirty="0"/>
           </a:p>
@@ -4662,7 +4664,7 @@
           <a:p>
             <a:r>
               <a:rPr lang="en-IN" dirty="0" smtClean="0"/>
-              <a:t>OPERATIONAL CHALLANGES: E-commerce operations can face logistical challenges, including delivery delays, mishandling of goods, or stock unavailability.</a:t>
+              <a:t>OPERATIONAL CHALLANGES: E-commerce operations can face logistical challenges, including delivery delays, mishandling of goods or stock unavailability.</a:t>
             </a:r>
             <a:endParaRPr lang="en-US" dirty="0" smtClean="0"/>
           </a:p>
@@ -5057,11 +5059,7 @@
             </a:pPr>
             <a:r>
               <a:rPr lang="en-IN" dirty="0" smtClean="0"/>
-              <a:t> </a:t>
-            </a:r>
-            <a:r>
-              <a:rPr lang="en-IN" dirty="0" smtClean="0"/>
-              <a:t>                       2. some of the viewers appreciate the timely delivery.</a:t>
+              <a:t>                        2. some of the viewers appreciate the timely delivery.</a:t>
             </a:r>
           </a:p>
           <a:p>
@@ -5070,11 +5068,15 @@
             </a:pPr>
             <a:r>
               <a:rPr lang="en-IN" dirty="0" smtClean="0"/>
-              <a:t> </a:t>
-            </a:r>
-            <a:r>
-              <a:rPr lang="en-IN" dirty="0" smtClean="0"/>
-              <a:t>                        3.some the viewers express the product quality is good as like they expected before.</a:t>
+              <a:t>                         </a:t>
+            </a:r>
+            <a:r>
+              <a:rPr lang="en-IN" dirty="0" smtClean="0"/>
+              <a:t>3.some of </a:t>
+            </a:r>
+            <a:r>
+              <a:rPr lang="en-IN" dirty="0" smtClean="0"/>
+              <a:t>the viewers express the product quality is good as like they expected before.</a:t>
             </a:r>
           </a:p>
           <a:p>
@@ -5083,11 +5085,7 @@
             </a:pPr>
             <a:r>
               <a:rPr lang="en-IN" dirty="0" smtClean="0"/>
-              <a:t> </a:t>
-            </a:r>
-            <a:r>
-              <a:rPr lang="en-IN" dirty="0" smtClean="0"/>
-              <a:t>                         </a:t>
+              <a:t>                          </a:t>
             </a:r>
           </a:p>
           <a:p>
@@ -5180,13 +5178,29 @@
           <a:p>
             <a:r>
               <a:rPr lang="en-IN" dirty="0" smtClean="0"/>
-              <a:t>DELAYED DELIVERY: some customers felt bad for the delayed deliveries.</a:t>
-            </a:r>
-          </a:p>
-          <a:p>
-            <a:r>
-              <a:rPr lang="en-IN" dirty="0" smtClean="0"/>
-              <a:t>Customer service: some customer express their </a:t>
+              <a:t>DELAYED DELIVERY: </a:t>
+            </a:r>
+            <a:r>
+              <a:rPr lang="en-IN" dirty="0" smtClean="0"/>
+              <a:t>Some </a:t>
+            </a:r>
+            <a:r>
+              <a:rPr lang="en-IN" dirty="0" smtClean="0"/>
+              <a:t>customers felt bad for the delayed deliveries.</a:t>
+            </a:r>
+          </a:p>
+          <a:p>
+            <a:r>
+              <a:rPr lang="en-IN" dirty="0" smtClean="0"/>
+              <a:t>Customer service: </a:t>
+            </a:r>
+            <a:r>
+              <a:rPr lang="en-IN" dirty="0" smtClean="0"/>
+              <a:t>Some </a:t>
+            </a:r>
+            <a:r>
+              <a:rPr lang="en-IN" dirty="0" smtClean="0"/>
+              <a:t>customer express their </a:t>
             </a:r>
             <a:r>
               <a:rPr lang="en-IN" dirty="0" err="1" smtClean="0"/>
@@ -5282,15 +5296,7 @@
           <a:p>
             <a:r>
               <a:rPr lang="en-IN" dirty="0" smtClean="0"/>
-              <a:t>INFLUENCER COLABORATIONS: </a:t>
-            </a:r>
-            <a:r>
-              <a:rPr lang="en-IN" dirty="0" smtClean="0"/>
-              <a:t>N</a:t>
-            </a:r>
-            <a:r>
-              <a:rPr lang="en-IN" dirty="0" smtClean="0"/>
-              <a:t>eed some influencer collaborations to increase the traffic.</a:t>
+              <a:t>INFLUENCER COLABORATIONS: Need some influencer collaborations to increase the traffic.</a:t>
             </a:r>
           </a:p>
           <a:p>
@@ -5605,13 +5611,13 @@
         </p:nvSpPr>
         <p:spPr>
           <a:xfrm>
-            <a:off x="381000" y="1066800"/>
-            <a:ext cx="8305800" cy="5257800"/>
+            <a:off x="990600" y="914400"/>
+            <a:ext cx="7696200" cy="2971800"/>
           </a:xfrm>
         </p:spPr>
         <p:txBody>
           <a:bodyPr>
-            <a:normAutofit/>
+            <a:normAutofit fontScale="85000" lnSpcReduction="20000"/>
           </a:bodyPr>
           <a:lstStyle/>
           <a:p>
@@ -5634,10 +5640,18 @@
               <a:buNone/>
             </a:pPr>
             <a:r>
-              <a:rPr lang="en-IN" sz="6600" dirty="0" smtClean="0"/>
-              <a:t>      THANK YOU</a:t>
-            </a:r>
-            <a:endParaRPr lang="en-US" sz="6600" dirty="0"/>
+              <a:rPr lang="en-IN" sz="8600" b="1" dirty="0" smtClean="0"/>
+              <a:t>  </a:t>
+            </a:r>
+            <a:r>
+              <a:rPr lang="en-IN" sz="8600" b="1" dirty="0" smtClean="0"/>
+              <a:t>  </a:t>
+            </a:r>
+            <a:r>
+              <a:rPr lang="en-IN" sz="8600" b="1" dirty="0" smtClean="0"/>
+              <a:t>THANK YOU</a:t>
+            </a:r>
+            <a:endParaRPr lang="en-US" sz="8600" b="1" dirty="0"/>
           </a:p>
         </p:txBody>
       </p:sp>
@@ -7686,7 +7700,15 @@
             </a:r>
             <a:r>
               <a:rPr lang="en-IN" b="1" dirty="0" smtClean="0"/>
-              <a:t> BUSSINESS MODEL</a:t>
+              <a:t> </a:t>
+            </a:r>
+            <a:r>
+              <a:rPr lang="en-IN" b="1" dirty="0" smtClean="0"/>
+              <a:t>BUSSINESS </a:t>
+            </a:r>
+            <a:r>
+              <a:rPr lang="en-IN" b="1" dirty="0" smtClean="0"/>
+              <a:t>MODEL</a:t>
             </a:r>
             <a:endParaRPr lang="en-US" b="1" dirty="0"/>
           </a:p>
